--- a/stock_FFT_0819.pptx
+++ b/stock_FFT_0819.pptx
@@ -200,16 +200,16 @@
   <inkml:trace contextRef="#ctx0" brushRef="#br0" timeOffset="32225.43">20479 8502 0,'0'0'0,"-18"0"0,0 0 16,36 0 109,35 53-110,-18-18 1,-17-17-16,0-18 15,-1 17 1,-17 1 0,18 0-1,-18-1 1,0 1 0,0 0-16,0 17 15,0-17 16,0-1-15,-35-17 0,-1 35-1,-17-17 1,-52 17 0,52-35-1</inkml:trace>
   <inkml:trace contextRef="#ctx0" brushRef="#br0" timeOffset="33763.21">18838 7743 0,'18'0'32,"0"0"-17,17 0 1,0 36 0,-17-36-16,-18 17 15,35 1 1,-17 17-1,-1-17-15,1-18 16,0 0-16,-1 18 16,1-1-16,17 1 15</inkml:trace>
   <inkml:trace contextRef="#ctx0" brushRef="#br0" timeOffset="34379.6">19438 7832 0,'-18'0'63,"1"0"-63,-36 17 16,35 1-1,-17-18-15,-18 18 16,-53 34-16,71-16 31,35-19-31,-18-17 16,18 36 31,0-1-32,0-17 1,18-1-16,0 36 15,-18 0 1,0-18 0,0 1-16,0-1 15,-18-17 1,0-1-16,-35 107 47</inkml:trace>
-  <inkml:trace contextRef="#ctx0" brushRef="#br0" timeOffset="38932.69">21431 10530 0,'18'0'47,"0"0"-31,34 0-16,-16 0 15,52 0 1,-18 0-1,1 0 1,-18 0-16,-35 0 16,17 0-16,18 0 15,0 0 1,53 0 0,-89 0-1,36 0-15,-18 0 0,54 0 16,-1 0-1,-53 0 1,18 0-16,35 0 31,-70 0-31,-1 0 16,36 0-16,-17 0 16,-1 0-1,-17 0 1,-1 0-16,-17-17 15,71 17 1,-36 0 0,0-18-1,-17 18 1,0 0 0,-1 0-1,36 0 1,-35 0-1</inkml:trace>
+  <inkml:trace contextRef="#ctx0" brushRef="#br0" timeOffset="38932.68">21431 10530 0,'18'0'47,"0"0"-31,34 0-16,-16 0 15,52 0 1,-18 0-1,1 0 1,-18 0-16,-35 0 16,17 0-16,18 0 15,0 0 1,53 0 0,-89 0-1,36 0-15,-18 0 0,54 0 16,-1 0-1,-53 0 1,18 0-16,35 0 31,-70 0-31,-1 0 16,36 0-16,-17 0 16,-1 0-1,-17 0 1,-1 0-16,-17-17 15,71 17 1,-36 0 0,0-18-1,-17 18 1,0 0 0,-1 0-1,36 0 1,-35 0-1</inkml:trace>
   <inkml:trace contextRef="#ctx0" brushRef="#br0" timeOffset="46858.96">16334 9613 0,'0'0'0,"17"0"79,19-17-64,122 17 16,-105 0-31,0 0 0</inkml:trace>
   <inkml:trace contextRef="#ctx0" brushRef="#br0" timeOffset="47491.15">16263 9613 0,'-18'71'78,"-17"-1"-62,35-52-1,-35 35-15,-36 53 16,54-18 0,-19 0-1,36-53 1,0-17-16,0 0 16,0-1-16,0 19 15,0-1 1,0-18-1,0 1 48,18-18-63,35 0 0,35 0 16,-53 0-1,1 0 1,-1 0-16,36 0 15,-36 0 1,-18 0 0</inkml:trace>
   <inkml:trace contextRef="#ctx0" brushRef="#br0" timeOffset="50144.62">16898 9790 0,'0'17'31,"-35"1"-15,17-1 0,-52 19-1,52-19-15,0 19 16,1-19-16,-19 54 16,36-53-16,0-1 15,0 18-15,18-35 31,0 18-15,-1-18 0,36 0-1,-18 0 1,1 0 0,34-18-1,-17-17 1,-17 18-16,-36-19 15,17 1 1,1 17-16,-18 1 16,0-1-1,0 0 1,0 1 0,-18-1-1,1 18 1,-1-18-1,0 1 1,1 17 0</inkml:trace>
   <inkml:trace contextRef="#ctx0" brushRef="#br0" timeOffset="50646.93">17462 10195 0,'-17'18'16,"-1"0"-1,-35 17 1,53-18-1,-17 1 1</inkml:trace>
-  <inkml:trace contextRef="#ctx0" brushRef="#br0" timeOffset="51283.19">17780 10089 0,'-35'0'46,"17"0"-30,0 18-16,1-18 16,17 18-1,35-18 48,18 0-32,-35 0-15,-1-36-1,-17 19 1,0-18 0,0 17 15,0 0-16</inkml:trace>
+  <inkml:trace contextRef="#ctx0" brushRef="#br0" timeOffset="51283.18">17780 10089 0,'-35'0'46,"17"0"-30,0 18-16,1-18 16,17 18-1,35-18 48,18 0-32,-35 0-15,-1-36-1,-17 19 1,0-18 0,0 17 15,0 0-16</inkml:trace>
   <inkml:trace contextRef="#ctx0" brushRef="#br0" timeOffset="51531.09">18203 10248 0,'0'18'31</inkml:trace>
   <inkml:trace contextRef="#ctx0" brushRef="#br0" timeOffset="51849.7">18503 10054 0,'18'0'78,"-1"18"-62,-17-1-16,18 1 15</inkml:trace>
   <inkml:trace contextRef="#ctx0" brushRef="#br0" timeOffset="54928.71">18045 7338 0,'17'0'15,"1"0"1,17 0 0,0 17-16,54 19 15,16 17 1,-52-53-1,-35 0 1</inkml:trace>
-  <inkml:trace contextRef="#ctx0" brushRef="#br0" timeOffset="55337.76">18397 7250 0,'0'35'32,"36"0"-17,-19-17-15,1 17 16,0 0-1,-18 1 1,0-19 0,0 1-1,-53 0 1,-71 34 0,-17 1-1,88-17 1,35-36-16</inkml:trace>
+  <inkml:trace contextRef="#ctx0" brushRef="#br0" timeOffset="55337.75">18397 7250 0,'0'35'32,"36"0"-17,-19-17-15,1 17 16,0 0-1,-18 1 1,0-19 0,0 1-1,-53 0 1,-71 34 0,-17 1-1,88-17 1,35-36-16</inkml:trace>
   <inkml:trace contextRef="#ctx0" brushRef="#br0" timeOffset="70904.45">28152 8961 0,'17'0'63,"19"0"-32,-19 17-31,-17 1 0,53 17 15,0 18 1,-35-35 0,17-18-16,-35 17 15,35 19 1,-17-19-16,0 18 31,-1-35-31,-17 18 16,0 0-1,0-1 1,0 1 0</inkml:trace>
   <inkml:trace contextRef="#ctx0" brushRef="#br0" timeOffset="71392.48">28593 9066 0,'0'36'31,"0"17"-15,0 17-1,0 1 1,0-18 0,0-36-1,0 1-15,0 0 32,-18-18-32,-53 17 15,36 1-15,-18-1 16,-17 1-1,17-18-15,0 0 16,35 0 0,18-18-1</inkml:trace>
   <inkml:trace contextRef="#ctx0" brushRef="#br0" timeOffset="83855.59">22666 13212 0</inkml:trace>
@@ -279,7 +279,7 @@
   <inkml:trace contextRef="#ctx0" brushRef="#br0" timeOffset="6703.58">13847 18450 0,'0'-17'31,"-18"17"16,-17 0-47,-18 0 15,0 53 1,35-36 0,0 1-1,18 17-15,0-17 16,18-18 0,0 17 15,17-17-31,36 0 15,34-17 1,-34 17-16,0-18 16,-1-17-16,1 17 15,-36 18-15,0-17 16,-17 17-16</inkml:trace>
   <inkml:trace contextRef="#ctx0" brushRef="#br0" timeOffset="10660.9">14093 11889 0,'-17'0'172,"-1"0"-94,1 0-62,-19 0 0,19 0-1,-19 0 1,19-18-1,-1 18 1,0 0 15,18-18-15,-17 1 0,-1 17-16,1 0 31,17-18-16,-18 18 1,18-18 31,-18 1-16,18-1-15,0 0-1,0-17 1,0 18 0,0-1-1,0 0 32,0 1-31,18-1-16,17 0 31,-35 1-31,18-1 16,-1 18 15,1 0 0,17 0-15,1 0-1,-19 0 1,1 0 0,0 0-1,-1 18 17,1-18-17,-18 17-15,17 19 31,1-36-15,0 53 0,-18-36-1,17 1 1,-17-1 0,0 1-1,0 0 1,0 17-1,0-17 1,0-1 0,-35 1-1,35 0 1,-35-1 0,17-17-1</inkml:trace>
   <inkml:trace contextRef="#ctx0" brushRef="#br0" timeOffset="32367.31">4180 15169 0,'0'36'47,"18"17"-31,17 17-16,1 1 31,-19-54-31,1 1 15,0 17-15,-18-17 16,35 17 0,-18-35-1,-17 18-15,0-1 32,18-17-1</inkml:trace>
-  <inkml:trace contextRef="#ctx0" brushRef="#br0" timeOffset="32839.19">4251 15557 0,'0'-17'31,"18"17"0,-1 17-31,36 19 16,0-1-1,-18-35 17,-17 0-32,0 0 31,17-35 0,18-18-15,-18 0-16,-17-35 15,-18 17 1,0 54-16</inkml:trace>
+  <inkml:trace contextRef="#ctx0" brushRef="#br0" timeOffset="32839.18">4251 15557 0,'0'-17'31,"18"17"0,-1 17-31,36 19 16,0-1-1,-18-35 17,-17 0-32,0 0 31,17-35 0,18-18-15,-18 0-16,-17-35 15,-18 17 1,0 54-16</inkml:trace>
   <inkml:trace contextRef="#ctx0" brushRef="#br0" timeOffset="34221.6">4357 16863 0,'17'0'63,"1"0"-48,35 0 1,0 17-16,17-17 15,1 0-15,-36 0 16,36 0-16,-54 0 16,1 0-16,0 0 15,-1 0-15,1 0 63,0 0-63,-1 0 15,19 0 1,-19 0 0,19 0-1,-19 0 17</inkml:trace>
   <inkml:trace contextRef="#ctx0" brushRef="#br0" timeOffset="34707.4">5027 16775 0,'18'17'94,"-18"1"-78,0-1-1,17 1 1,-17 0-16,18-1 16,-18 19-1,-35-19 1,17 1-1,0-18-15,1 18 16,-1-18 0,18 17 15</inkml:trace>
   <inkml:trace contextRef="#ctx0" brushRef="#br0" timeOffset="36468.37">6209 16439 0,'18'-17'125,"-1"17"-109,1 0 0,-1-35-1,1 35 1,0-18 0,-1 18-16,-17-18 15,18 18 1,0-35-1,-1 17 1,1-17 0,0 0-1,17-1 1,-35 1 0,17 18-1,1-1 1,0 0 15,-18 1-15,17-1 31,1 18-32,-18-18 1,18 18-16,17-17 31,-17 17 16</inkml:trace>
@@ -317,7 +317,7 @@
   <inkml:trace contextRef="#ctx0" brushRef="#br0" timeOffset="40283.87">5486 13159 0,'17'0'79,"1"0"-79,35 0 15,35 0-15,71-36 16,35 1-1,-71 17 1</inkml:trace>
   <inkml:trace contextRef="#ctx0" brushRef="#br0" timeOffset="66789.98">6368 7073 0,'0'0'0,"17"-17"16,1 17-1,0 0 17,17 88-17,-35-35 1,35 17-1,-17-52-15,35 52 16,17 1 0,-17-53-1,-35-18 1,-18 17-16,53-52 31,17-36-15,71-105-1,-35 70 1,53 0-16,-124 71 16,18-18-16,-35 53 15,-1 18 48,54 158-48,-36-141 1,18 18 0,-35-53-16,-1 18 15,19-18-15,-1 18 16,-17-18-16,35 0 0,-1 0 16,54 0-1,18-53 1,-54 17-16,-34 19 15,17-1-15,-18 1 16,-18 17 47,72 176-32,-19-70-16,-17-71-15,-18-17 16,18 35 0,-35-53-16,0 0 62,52-18-31,-70 0-31,53-35 16,-35 18 0,17 0-1,-17 0-15,-1-1 16,36-17-16,71-70 16,34-71 15,-69 88-31,52-53 15,0-35-15,194-194 16,35-70 0,71-1-1,-282 300-15,-88 89 16,70-107-16,-71 124 16,1-35-16,-1 53 15,-70 17 1,0 36 171,18 246-155,-18-175-32,18 122 15,-18 1 1,17 35-1,-17-141-15,18 35 16,0-53 0,-1-53-1,-17 1 1,0-19 0,18 36-1,0 35 1,-18-52-16,0 17 15,0 0-15,0-36 16,0 36-16,0 18 16,0-36-16,17 106 15,1-70-15,-1-1 16,1 1 0,0-18-1,-18-36-15,0 1 16,0 0-1,17 17 1,36 53 0,-17 0-1,-36-70 1,52 35 0,-34-18-16,0 0 15,-1-17 1,1 0-1,-18 17-15,35-18 16,-17 1 0,0 0 15,-1-18 16,-17 35-47,18 0 15,17 36 1,-17-18-16,-1-36 16,-17 19-1,18-19-15,-18 1 16,18-18 0,-18 18-1,0-1-15,17 19 16,1 34-16,17 71 15,1 0 1,-19-70 0,-17-18-1,18-36 1,-18 1-16,17 0 16,-17-1-1,18-34 63,0-1-62,-18 0-16,17 18 16,1-17-1,35-71 1,35-54-1,-35 72-15,-18 35 0,-17-1 32,0 19-17,-1-1 1,1-17 0,35-18-16,0-18 15,0 1-15,0-36 16,17-18-16,1-52 15,-18 88 1,-36 70 0,1 36 46,17 70-31,-17-35-31,-18-35 16,53-18 47,-18 0-63,177-89 15,-1-16 1,-87 52-1,-36 35 1,-70 18 0,-1 0-1,54 35 1,-18 1 0,17 17-16,54 17 31,-54-52-31,1-1 15,-36-17 1,36-17 0,-54 17-16,107-71 15,-89 36-15,159-71 16,53-17-16,71-19 16,-36 54-1,-229 71-15,-18 17 16,0 0 15,0 88-15,54 18-1,-1 0 1,-35-54 0,17 1-16,-52-35 0,53 0 31,-19-18-16,19-18-15,35-35 16,123-35 0,-70-18-16,0 53 15,-106 35-15</inkml:trace>
   <inkml:trace contextRef="#ctx0" brushRef="#br0" timeOffset="68170.48">6685 4127 0,'71'0'31,"281"18"-15,-281-18-1,264-35 1,-176 17-16,423 18 16,71 0-1,17 0-15,-176-17 16,-71 17-16,106 0 15,18 0-15,-282-36 16,-36 36-16,-106 0 16,-17-17-16,-88 17 78,0 0-63</inkml:trace>
-  <inkml:trace contextRef="#ctx0" brushRef="#br0" timeOffset="69072.21">7902 8678 0,'88'0'47,"-52"0"-47,158 0 15,229 0 1,159 0-1,-141 0-15,494 0 32,-229 0-32,-213 0 15,107 0-15,-177 0 0,424 0 16,-371 0 0,-158 0-16,-89 0 15,336 0 1,-177 0-1,-212-35 1,-158 17-16,17 1 16,-17 17-1</inkml:trace>
+  <inkml:trace contextRef="#ctx0" brushRef="#br0" timeOffset="69072.2">7902 8678 0,'88'0'47,"-52"0"-47,158 0 15,229 0 1,159 0-1,-141 0-15,494 0 32,-229 0-32,-213 0 15,107 0-15,-177 0 0,424 0 16,-371 0 0,-158 0-16,-89 0 15,336 0 1,-177 0-1,-212-35 1,-158 17-16,17 1 16,-17 17-1</inkml:trace>
   <inkml:trace contextRef="#ctx0" brushRef="#br0" timeOffset="69864.86">4851 4445 0,'0'35'47,"-159"53"-32,124-52 1,-1-19-16,-17 19 15,1-19 1,34-17 0</inkml:trace>
   <inkml:trace contextRef="#ctx0" brushRef="#br0" timeOffset="70157.63">4939 4445 0,'0'0'0,"18"0"16,52 53-1,18 53 1,18-18 0,-35-53-16,-18 0 15,-18-17-15,-18 0 16</inkml:trace>
   <inkml:trace contextRef="#ctx0" brushRef="#br0" timeOffset="70899.13">4992 4992 0,'0'35'31,"0"106"-15,0-70-1,0-1 1,35 89-16,-17-71 16,-18 36-16,17 87 15,-17-70-15,18 195 16,0-19 0,17-158-16,-35-36 15,18 54 1,-18-36-16,0-88 15,0 247 1,17-142 0,-17-69-1,0-19-15,0-35 16,0 36-16,0-18 16,0-18-16,0 18 0,0 0 31,0 53-31,0-89 31,0 1-31,0 17 63,0 1-63,0-1 15,0-17 1</inkml:trace>
@@ -339,13 +339,13 @@
   <inkml:trace contextRef="#ctx0" brushRef="#br0" timeOffset="77095.75">10813 8273 0,'0'0'15,"0"17"-15,0 1 31,0 0-15,0 17 0,0 35-1</inkml:trace>
   <inkml:trace contextRef="#ctx0" brushRef="#br0" timeOffset="77821.38">10918 9225 0,'0'18'16,"0"17"-1,0 18-15,0 0 32,-17 106-17,-54-18 1,71-35 0,0-54-16,0 1 15,0 0-15,0 18 16,0-53-16</inkml:trace>
   <inkml:trace contextRef="#ctx0" brushRef="#br0" timeOffset="79433.81">10195 10072 0,'0'0'0,"18"0"0,-18-18 16,0 89 15,-71 158 47</inkml:trace>
-  <inkml:trace contextRef="#ctx0" brushRef="#br0" timeOffset="79890.96">11324 9931 0,'0'53'31,"0"-36"-15,-17 71-1,17-70 1,0 0-16</inkml:trace>
+  <inkml:trace contextRef="#ctx0" brushRef="#br0" timeOffset="79890.95">11324 9931 0,'0'53'31,"0"-36"-15,-17 71-1,17-70 1,0 0-16</inkml:trace>
   <inkml:trace contextRef="#ctx0" brushRef="#br0" timeOffset="80544">12083 8414 0</inkml:trace>
   <inkml:trace contextRef="#ctx0" brushRef="#br0" timeOffset="80740.39">12083 8678 0,'0'0'0,"0"18"0</inkml:trace>
   <inkml:trace contextRef="#ctx0" brushRef="#br0" timeOffset="81723.45">12153 9472 0,'0'0'0,"0"18"47,-17-18-32,-19 35 1,19-17-16,-1 17 15,18 18 1,0 0 0,0 35-1,35-18 1,18-70 0,-35 0-16,35 0 15,-18 0-15,-17 0 16,-1 0-16,19-17 0,-19-18 15,54-36 1,-18-17 0,-53 70-16,0-17 15,0-18-15,-18-18 16,-53 1 0,1 52-1,17 18 1,-53 0-1,53 0-15,-35 18 16,70 0 0</inkml:trace>
   <inkml:trace contextRef="#ctx0" brushRef="#br0" timeOffset="82553.88">13053 10037 0,'0'0'0,"0"17"47,-18 1-31,-17 35-16,17-53 15,-17 70 1</inkml:trace>
   <inkml:trace contextRef="#ctx0" brushRef="#br0" timeOffset="83169.19">13652 9648 0,'-35'0'16,"70"0"-16,-17 0 15,0 36 1,-18-19 0,17 1-16,1 53 15,0-71 1,-18 17 15,17-17-31,1 0 16,35 0-1,0 0-15,-36-17 16,1 17 0,-18-36-1,0 1-15,0 0 0,0 17 16,0-17-1,0 0 1,-18 17 0,1 18-16,-1 0 15,1 0-15</inkml:trace>
-  <inkml:trace contextRef="#ctx0" brushRef="#br0" timeOffset="83424.99">14164 9860 0,'0'0'0,"18"18"16,-1-18 0,-17 17 15</inkml:trace>
+  <inkml:trace contextRef="#ctx0" brushRef="#br0" timeOffset="83424.98">14164 9860 0,'0'0'0,"18"18"16,-1-18 0,-17 17 15</inkml:trace>
   <inkml:trace contextRef="#ctx0" brushRef="#br0" timeOffset="83922.84">14552 9437 0,'-18'0'47,"18"17"-32,-35 19 1,18 17 0,17-36-1,0 54 1,0-18 0,17-36-16,1 1 15,17 0-15,-35 17 16,0-17-1,0 17 1,0-18 0,0 1-1,-18-18 1,1 0 0,-1 0 30</inkml:trace>
   <inkml:trace contextRef="#ctx0" brushRef="#br0" timeOffset="84160.99">14570 9543 0,'0'0'0,"17"-18"16,1 18-16,17 0 16,-17 0-16,88 0 15,0-18 1,-54 18 0,1 0-16,36-17 15,-54 17 1</inkml:trace>
   <inkml:trace contextRef="#ctx0" brushRef="#br0" timeOffset="100855.7">20902 16792 0,'18'0'141</inkml:trace>
@@ -568,7 +568,7 @@
   <inkml:trace contextRef="#ctx0" brushRef="#br0">20567 16104 0,'0'0'0,"-18"0"31,-17 0-15,17 0-1</inkml:trace>
   <inkml:trace contextRef="#ctx0" brushRef="#br0" timeOffset="5271.88">2681 5574 0,'0'18'63,"35"-1"-63,-17 36 16,35-18-16,17 54 15,-17-37 16,-17-16-31,17 34 16,-53-17 0,17 18-1</inkml:trace>
   <inkml:trace contextRef="#ctx0" brushRef="#br0" timeOffset="5723.33">3087 5733 0,'0'88'16,"17"0"-1,19 35 1,17-52 0,-53-36-16,17 1 0,-17-1 15,0-17-15,0-1 16,0 18 0,-17-35-1,-1 0 1,-53 0-1,36 0-15,-18 0 16,-35 0 0,70 0-16,1 0 15</inkml:trace>
-  <inkml:trace contextRef="#ctx0" brushRef="#br0" timeOffset="18158.31">21325 4322 0,'18'0'94,"88"0"-78,-18 0-1,71 0 1,17 0 0,36-18 15,-71 18-31,-106 0 16,53 0-1,-70 0-15,0 0 16,-1 0-16,1 0 15</inkml:trace>
+  <inkml:trace contextRef="#ctx0" brushRef="#br0" timeOffset="18158.3">21325 4322 0,'18'0'94,"88"0"-78,-18 0-1,71 0 1,17 0 0,36-18 15,-71 18-31,-106 0 16,53 0-1,-70 0-15,0 0 16,-1 0-16,1 0 15</inkml:trace>
   <inkml:trace contextRef="#ctx0" brushRef="#br0" timeOffset="19906.55">9913 4692 0,'35'0'94,"18"0"-94,-35 0 15,70 0 1,0 0-16,0 0 16,36 0-16,17 0 15,35 0 1,-87 0 0,-36 0-16,-18 0 15,-18 0 1,1 0-16,35 0 15,-35 0 1,17 0-16,35 0 16,1 0-1,-36 0 1,1 0-16,34 0 16,-35 0-1,18 0 1,-17 0-16,-19 0 15,19 0-15,16 0 16,-16 0-16,-1 0 16,-17 0-1,52 0 1,-17 0 0,-35 0-16,70 0 15,-35 0 1,-35 0-1,-1 0 1,1 0 0,-1 0-1,1 0 1,17 0 0,1 0-1,-19 0 16</inkml:trace>
 </inkml:ink>
 </file>
@@ -668,7 +668,7 @@
   <inkml:trace contextRef="#ctx0" brushRef="#br0" timeOffset="7663.01">370 10037 0,'18'0'47,"0"0"-31,-1 0 15,1 0-31,-18 17 15,18 1 1,-1-1-16,1 19 16,0-19-1,-1 1 1,1-18 0,-1-18 93,125-123-78,-125 141-31,18-70 31,-35 52-31,36-35 16,-36 18 0,0 17-1,0 1 1,0-1 62</inkml:trace>
   <inkml:trace contextRef="#ctx0" brushRef="#br0" timeOffset="18068.16">22384 7073 0,'0'53'47,"-18"0"-47,-35 88 31,53-106-31,-35 54 15,35-72 1,-18 19 0,18-1-16,-17 18 15,-1-36 1</inkml:trace>
   <inkml:trace contextRef="#ctx0" brushRef="#br0" timeOffset="18860.34">17833 7373 0,'-18'53'63,"18"70"-48,0-70-15,0-17 16,0 17 0,0-36-1</inkml:trace>
-  <inkml:trace contextRef="#ctx0" brushRef="#br0" timeOffset="20202.61">17974 7514 0,'35'0'78,"106"0"-62,-35 0 0,0-17-16,194 17 15,0 0 1,-71 0 0,-88 0-16,-17 0 15,123 0-15,-53 0 31,-36 0-31,-69 0 16,-36 0 0,-1 0-16,54 0 15,-18 0 1,36 0 0,-18 0-1,-53 0-15,17 0 16,-17 0-16,0 0 15,-18 0-15,-17 0 16,0 0 0,17 0-1,247 0 79,-264 0-78,123 0-1,-88 0 1,0 0-16,-53-18 16,53 18-1,35 0 1,-35 0-1,-18-18 110,-17 18-93,17 0-32,18 0 31,-36 0-15,1 0 30,0 0-46,17 0 16,-17 0 0</inkml:trace>
+  <inkml:trace contextRef="#ctx0" brushRef="#br0" timeOffset="20202.6">17974 7514 0,'35'0'78,"106"0"-62,-35 0 0,0-17-16,194 17 15,0 0 1,-71 0 0,-88 0-16,-17 0 15,123 0-15,-53 0 31,-36 0-31,-69 0 16,-36 0 0,-1 0-16,54 0 15,-18 0 1,36 0 0,-18 0-1,-53 0-15,17 0 16,-17 0-16,0 0 15,-18 0-15,-17 0 16,0 0 0,17 0-1,247 0 79,-264 0-78,123 0-1,-88 0 1,0 0-16,-53-18 16,53 18-1,35 0 1,-35 0-1,-18-18 110,-17 18-93,17 0-32,18 0 31,-36 0-15,1 0 30,0 0-46,17 0 16,-17 0 0</inkml:trace>
   <inkml:trace contextRef="#ctx0" brushRef="#br0" timeOffset="20753.72">22049 7338 0,'17'0'63,"1"0"-63,0 0 15,-1 17 1,18 1-1,1 35 1,-36-35 0,0-1 15,-36 1-31,-87 17 16,-18 18-1,70-18 1,-105 36-1,123-36 1,35-35-16</inkml:trace>
   <inkml:trace contextRef="#ctx0" brushRef="#br0" timeOffset="21950.62">18362 7426 0,'-18'0'109,"-52"0"-109,17 18 16,18-18-16,-142 53 15,36-36 1,-53 36-1,159-53 17,35 18-1,35 17 16,18-35-47,35 35 15,89 36 1,-19-36 0,-87-35-1,-36 0-15,53 0 16,1 18 0,-19-1-1</inkml:trace>
   <inkml:trace contextRef="#ctx0" brushRef="#br0" timeOffset="22557.19">18944 8061 0,'35'0'63,"18"0"-48,0 0-15,71 0 16,-1 0 15,-105 0-15</inkml:trace>
@@ -677,7 +677,7 @@
   <inkml:trace contextRef="#ctx0" brushRef="#br0" timeOffset="23524.91">19756 8378 0,'17'18'78,"18"-18"-63,-17 0 1,0 0-16,-1 0 16,54 0-1,-36 0-15</inkml:trace>
   <inkml:trace contextRef="#ctx0" brushRef="#br0" timeOffset="23916.81">20320 8220 0,'0'35'31,"0"-17"-16,0 17-15,0-17 16,0-1-16,-18 18 16,18 1-1</inkml:trace>
   <inkml:trace contextRef="#ctx0" brushRef="#br0" timeOffset="41426.57">22737 2522 0,'0'53'47,"0"-35"-32,0 70 16,0-70-15</inkml:trace>
-  <inkml:trace contextRef="#ctx0" brushRef="#br0" timeOffset="41827.62">22772 2663 0,'35'-17'15,"-35"-1"1,18 18 0,17 0-16,18 0 15,17 0 1,-34 0-1,-19 0 1,1 0-16,0 0 16,17 0-1,35-17-15,19-1 16,-72 18 0,19-18-16,-19 18 15</inkml:trace>
+  <inkml:trace contextRef="#ctx0" brushRef="#br0" timeOffset="41827.61">22772 2663 0,'35'-17'15,"-35"-1"1,18 18 0,17 0-16,18 0 15,17 0 1,-34 0-1,-19 0 1,1 0-16,0 0 16,17 0-1,35-17-15,19-1 16,-72 18 0,19-18-16,-19 18 15</inkml:trace>
   <inkml:trace contextRef="#ctx0" brushRef="#br0" timeOffset="42262.99">23301 2505 0,'18'0'78,"-1"0"-62,1 17 0,-18 1-16,18 17 31,-18-17-15,0 17-1,-18-35 1,18 18-16,-18 17 15,1-35 1,17 18 0</inkml:trace>
   <inkml:trace contextRef="#ctx0" brushRef="#br0" timeOffset="58475.46">13247 6844 0,'17'0'78,"1"0"-78,17 0 16,54-35 15,-72 35-31,18-18 16,1 18 0,-1-18-1,-17 18-15,-1 0 16,1 0-1,0 0-15,-1 0 79,1-17-48,-1 17-31,1 0 15,17-18 1,-17 18 0,0 0 31</inkml:trace>
   <inkml:trace contextRef="#ctx0" brushRef="#br0" timeOffset="75073.85">21484 2258 0,'0'0'0,"35"17"0,1 36 15,17-35-15,17 88 16,-17-71 0,-18-17-16,-35-1 15,18 1 1,0-18-1,-18 18 17,17-18-32,19-18 31,-19-53-15,36 19-1,-18-19-15</inkml:trace>
@@ -711,28 +711,28 @@
   <inkml:trace contextRef="#ctx0" brushRef="#br0" timeOffset="132515.2">30956 9243 0,'18'0'31,"-18"17"-16,0 19 1,0-19 0,0 19-1,0-19 1,18-17 31,17-17-32,35-54 1,-70 53-16,18 18 16,0 0-16,-1 0 62,-17 18-62,36 53 16,-36-54-1,17 19-15,1-36 32</inkml:trace>
   <inkml:trace contextRef="#ctx0" brushRef="#br0" timeOffset="134404.79">30868 4604 0,'-53'35'47,"53"-17"-47,-53-1 16,18 19-1</inkml:trace>
   <inkml:trace contextRef="#ctx0" brushRef="#br0" timeOffset="134718.53">31080 4551 0,'0'0'15,"17"0"-15,1 0 16,0 0 0,-1 35-16,1-35 15,17 35-15,-17-17 16,-1 0 0,1-1-1,17 1 1</inkml:trace>
-  <inkml:trace contextRef="#ctx0" brushRef="#br0" timeOffset="135810.42">30956 4762 0,'18'0'32,"-18"36"-17,35 17 1,-17 0-16,-18-36 15,17 19-15,1 69 16,-18-16 0,18 69-1,-1-87-15,-17-1 16,0-17-16,18 53 16,-18-53-16,18 106 15,-1 35 1,-17 18-1,0-89 1,0-17-16,18 0 16,-18-18-16,0 35 15,18 1 1,-18-18-16,0-18 16,0 0-16,0-17 15,0 52 1,0-105-16,0 88 15,0-18 1,0 18 0,0 17-1,0-105-15,0 105 16,0-70 0,-18 35-1,18 0 1,0-35-1,0-35-15,0 0 16,0 17-16,0 0 16,0 0 15,0 1-15,0-19-1,0 1-15,0 17 16,0 1-1,0 16-15,-18-16 16,18-1-16,0-17 16,0-1-16,0 1 15,-17-18 126,-1 0-125</inkml:trace>
-  <inkml:trace contextRef="#ctx0" brushRef="#br0" timeOffset="136206.45">30868 8555 0,'18'35'15,"-18"-17"1,17-1-16,36 54 15,-35-36 1,0-17-16,-1 17 16,-17-17-16,35-1 15,-17 36 1,0-35 0,-1-18-16,1 0 15,17 0 16,36-106-15,35-70 0,-36-1-1,-52 89-15,17 35 16,-35 0-16,35-35 16,-35 53-1</inkml:trace>
+  <inkml:trace contextRef="#ctx0" brushRef="#br0" timeOffset="135810.41">30956 4762 0,'18'0'32,"-18"36"-17,35 17 1,-17 0-16,-18-36 15,17 19-15,1 69 16,-18-16 0,18 69-1,-1-87-15,-17-1 16,0-17-16,18 53 16,-18-53-16,18 106 15,-1 35 1,-17 18-1,0-89 1,0-17-16,18 0 16,-18-18-16,0 35 15,18 1 1,-18-18-16,0-18 16,0 0-16,0-17 15,0 52 1,0-105-16,0 88 15,0-18 1,0 18 0,0 17-1,0-105-15,0 105 16,0-70 0,-18 35-1,18 0 1,0-35-1,0-35-15,0 0 16,0 17-16,0 0 16,0 0 15,0 1-15,0-19-1,0 1-15,0 17 16,0 1-1,0 16-15,-18-16 16,18-1-16,0-17 16,0-1-16,0 1 15,-17-18 126,-1 0-125</inkml:trace>
+  <inkml:trace contextRef="#ctx0" brushRef="#br0" timeOffset="136206.44">30868 8555 0,'18'35'15,"-18"-17"1,17-1-16,36 54 15,-35-36 1,0-17-16,-1 17 16,-17-17-16,35-1 15,-17 36 1,0-35 0,-1-18-16,1 0 15,17 0 16,36-106-15,35-70 0,-36-1-1,-52 89-15,17 35 16,-35 0-16,35-35 16,-35 53-1</inkml:trace>
   <inkml:trace contextRef="#ctx0" brushRef="#br0" timeOffset="137385.53">30727 4533 0,'18'0'15,"17"0"1,-18 0 0,36 0-1,-35 0 1,17-17 0,54 17-1,-19 0 1,1 0-1,-54 0-15,1 0 32</inkml:trace>
   <inkml:trace contextRef="#ctx0" brushRef="#br0" timeOffset="138369.44">30903 8819 0,'0'0'0,"53"0"0,-17 0 16,-1 0-16,18 0 16,0 0-1,70 0 1,-17-17 0,-71 17-1,-17 0-15,-1 0 16,19-18-16,-19 18 15,19 0-15,17 0 16</inkml:trace>
   <inkml:trace contextRef="#ctx0" brushRef="#br0" timeOffset="142367.34">31873 6368 0,'0'0'0,"-17"0"31,70 0 16,0 17-47,-18-17 15,35 36 1,-17-1 0,-17-18-16,-1-17 15,-17 36 1,-1-36-16,-17 17 16,0 1-1,0 17 1,-17 1-1,-1-1-15,-35 0 16,35-35 0,-35 88-16,-35-52 15,35 17 1,36-53 0,52-18 46</inkml:trace>
   <inkml:trace contextRef="#ctx0" brushRef="#br0" timeOffset="143533.21">32544 6227 0,'0'0'0,"0"-18"16,17 18 62,-17 18-63,0 17 1,0-18-16,0 36 16,-17 18-1,17-1 1,0 1-1,0-36 1,0 18-16,0-35 16,0 35-1,17-53 1,1 35 0,0-35 30,-1 18-30,36-1 0,-35-17-1,-1 0-15,1 0 16,0 0 0,-1-35-1,36 0 1,-53-1-16,36 1 15,-19 18-15,1-19 16,-18 1 0,0 17-1,0 1 1,0-19-16,0 1 31,0-18-15,0 0-1,-18 18 1,18 17 0,0 1-16,-17 17 15,17-18 1,-36 18 0,1-17-16,-18 17 15,35-18-15,-52 18 16</inkml:trace>
-  <inkml:trace contextRef="#ctx0" brushRef="#br0" timeOffset="144328.45">32579 6615 0,'0'0'0,"0"-18"0,0 0 63,18-17-32,-18 17-31,17 1 31,19 17-15,-19-18 0,1 0-1,17 18 1,-17 0 15,-1 0 0,1 0-31,17 0 16,-17 0 0</inkml:trace>
-  <inkml:trace contextRef="#ctx0" brushRef="#br0" timeOffset="160370.45">9490 5768 0,'17'0'62,"177"0"-30,-158-18-32,34 18 15,18 0-15,-17-17 16,-18 17-16,123 0 15,-52-18 1,-89 18 0,-17 0-16,-1 0 15,1 0-15,0 0 16,-18-18-16,35 18 16,-18 0-1</inkml:trace>
+  <inkml:trace contextRef="#ctx0" brushRef="#br0" timeOffset="144328.44">32579 6615 0,'0'0'0,"0"-18"0,0 0 63,18-17-32,-18 17-31,17 1 31,19 17-15,-19-18 0,1 0-1,17 18 1,-17 0 15,-1 0 0,1 0-31,17 0 16,-17 0 0</inkml:trace>
+  <inkml:trace contextRef="#ctx0" brushRef="#br0" timeOffset="160370.44">9490 5768 0,'17'0'62,"177"0"-30,-158-18-32,34 18 15,18 0-15,-17-17 16,-18 17-16,123 0 15,-52-18 1,-89 18 0,-17 0-16,-1 0 15,1 0-15,0 0 16,-18-18-16,35 18 16,-18 0-1</inkml:trace>
   <inkml:trace contextRef="#ctx0" brushRef="#br0" timeOffset="161367.12">9419 9525 0,'18'0'0,"-1"0"16,1 0-16,0 0 15,17 0 1,-17 0 0,52 0-1,1 0 1,70 18 0,-124-18-16,107 0 15,-53 0-15,17 0 16,-35 0-16,-36 0 15</inkml:trace>
   <inkml:trace contextRef="#ctx0" brushRef="#br0" timeOffset="162627.22">6862 2205 0,'0'17'16,"17"54"-1,1-18 1,-1-35-16,54 105 16,-18-70-1,-18 53-15,18 17 32,-18-87-32,1 34 15,-19-35 1,1-35-1</inkml:trace>
   <inkml:trace contextRef="#ctx0" brushRef="#br0" timeOffset="163039.19">7514 2046 0,'-35'35'32,"0"-17"-32,17 17 15,-35 1 1,0-19-16,-35 54 16,35-18-16,-141 53 15,18 17 1,-1-17-1,107-71-15,17 0 16,17-17 0,36 0-16</inkml:trace>
   <inkml:trace contextRef="#ctx0" brushRef="#br0" timeOffset="164073.87">7885 2364 0,'17'0'47,"1"0"-32,-1 0 1,1 0 15,0 0-31,-1 0 32,1 0-17</inkml:trace>
-  <inkml:trace contextRef="#ctx0" brushRef="#br0" timeOffset="164400.45">7814 2593 0,'-18'0'32,"36"0"-17,0 0 1,17 0-16,-17 0 15,17 0-15,35-18 0,89-17 16,-18 17 0,-88 1-1</inkml:trace>
+  <inkml:trace contextRef="#ctx0" brushRef="#br0" timeOffset="164400.44">7814 2593 0,'-18'0'32,"36"0"-17,0 0 1,17 0-16,-17 0 15,17 0-15,35-18 0,89-17 16,-18 17 0,-88 1-1</inkml:trace>
   <inkml:trace contextRef="#ctx0" brushRef="#br0" timeOffset="164805.59">8608 1764 0,'35'0'31,"-17"0"-15,-1 0-1,1 0 1,17 0 0,1-18-1,34 1 1,-35 17-16</inkml:trace>
   <inkml:trace contextRef="#ctx0" brushRef="#br0" timeOffset="165293.63">8802 1782 0,'0'0'16,"0"17"-16,-18 1 0,1 35 16,-1 0-16,0 0 15,1-1-15,-1 19 16,0-18-16,1 88 16,-19-17-1,36-1 1,-17-52-16,17-19 15,0 19-15,0 70 16,17 18 0,19-106-1,-36-36 17,17-17-32,1 0 31,-18 18-31,18-18 15,35 18 1,-1-18-16,37 0 16,-19 0-16,89 0 15,-53 0 1</inkml:trace>
   <inkml:trace contextRef="#ctx0" brushRef="#br0" timeOffset="165922.22">9842 2046 0,'36'0'47,"-19"0"-47,19 0 15,-19 0 1,1 0-1,0 0-15,-1 0 16,36 0 0,-18 0-1,1 0-15,-1 0 16</inkml:trace>
-  <inkml:trace contextRef="#ctx0" brushRef="#br0" timeOffset="166229.35">10072 2240 0,'0'35'31,"0"-17"-31,0 35 0,0 35 16,0 18 0,0-88-1,17 17-15,-17 0 16,18 0 0,-18-17-1,0 0 16</inkml:trace>
+  <inkml:trace contextRef="#ctx0" brushRef="#br0" timeOffset="166229.34">10072 2240 0,'0'35'31,"0"-17"-31,0 35 0,0 35 16,0 18 0,0-88-1,17 17-15,-17 0 16,18 0 0,-18-17-1,0 0 16</inkml:trace>
   <inkml:trace contextRef="#ctx0" brushRef="#br0" timeOffset="166813.26">10866 2558 0,'0'70'31,"0"-17"-31,0 0 16,0 0 0,0-35-1,0-1-15,0 1 16</inkml:trace>
   <inkml:trace contextRef="#ctx0" brushRef="#br0" timeOffset="167288.13">11818 2275 0,'-53'0'31,"-53"0"-31,36 18 16,-1 0-1,-35 35 1,18 0-16,35-1 16,18 1-1,35 0-15,18 0 31,-1-35-31,36-18 16,18 0-16,17 0 16,159-35-1,-194 35-15,35-36 16</inkml:trace>
   <inkml:trace contextRef="#ctx0" brushRef="#br0" timeOffset="167653.69">12100 2222 0,'0'106'31,"0"-70"-31,0 158 16,0-89-1,0-34-15,0-36 16,0-17-16,0 17 15,0-17 17</inkml:trace>
   <inkml:trace contextRef="#ctx0" brushRef="#br0" timeOffset="168110.83">12188 2293 0,'18'18'62,"17"17"-46,-17-17 0,17 17-1,-17-17-15,0-1 31,-1-17-15,-17 18 0,0 17-1,-17-17 1,-19 17-16,-17-17 16,36-18-16,-19 17 15</inkml:trace>
-  <inkml:trace contextRef="#ctx0" brushRef="#br0" timeOffset="168645.32">12541 2258 0,'18'0'32,"0"0"-32,-1 0 15,1 0 17,-1 0-17,36 0 16,-35 0-15,0 17 0,-18 1-1,17 17 1,-17 1 0,-17-1-16,-36 0 15,35 0 1,0-35-1,18 18 1,-17-18 15</inkml:trace>
+  <inkml:trace contextRef="#ctx0" brushRef="#br0" timeOffset="168645.31">12541 2258 0,'18'0'32,"0"0"-32,-1 0 15,1 0 17,-1 0-17,36 0 16,-35 0-15,0 17 0,-18 1-1,17 17 1,-17 1 0,-17-1-16,-36 0 15,35 0 1,0-35-1,18 18 1,-17-18 15</inkml:trace>
   <inkml:trace contextRef="#ctx0" brushRef="#br0" timeOffset="168981.23">12577 2328 0,'0'18'31,"0"70"-31,17 18 15,-17-53 1,0 53 0,0-36-1,18-34-15</inkml:trace>
   <inkml:trace contextRef="#ctx0" brushRef="#br0" timeOffset="169292.22">12735 2593 0,'18'0'47,"0"18"-31,17-1-1,0 36 1,-17-53-16,17 18 31,-35-1-15,35-17-1,-17 0 1</inkml:trace>
   <inkml:trace contextRef="#ctx0" brushRef="#br0" timeOffset="169738.07">13264 2611 0,'0'0'16,"0"35"-16,18-35 0,-18 53 15,0-18 1,0-17 0,-18-1-1</inkml:trace>
@@ -964,7 +964,7 @@
   <inkml:trace contextRef="#ctx0" brushRef="#br0" timeOffset="20100.07">22190 6597 0,'-18'18'31,"0"87"-15,1-52-1,17-35-15,-18 70 16,18-53-16,0-17 16,0 0-16,0-1 15</inkml:trace>
   <inkml:trace contextRef="#ctx0" brushRef="#br0" timeOffset="20511.16">22807 6509 0,'0'17'0,"-18"19"31,-17 34-31,0 18 32,35-52-32,-18 34 15,-17-17 1,0-18 0,17 1-1,0-36 1</inkml:trace>
   <inkml:trace contextRef="#ctx0" brushRef="#br0" timeOffset="21118.25">22860 6509 0,'35'53'16,"-35"-36"-1,36 36 1,-36 0-1,17 18 1,1-36 0,-1-17-1,1-18 17,0 0-17,-1 0 1,1 0-16,17-18 15,36-17 1,-1-36 0,-52 53-16,0-34 15,17-19-15,-35 53 16,18 1-16,-1 34 94,89 177-63,-71-141-31,-17-35 16,-18 0-1,18-18-15,-18 17 0</inkml:trace>
-  <inkml:trace contextRef="#ctx0" brushRef="#br0" timeOffset="23714.63">21960 7532 0</inkml:trace>
+  <inkml:trace contextRef="#ctx0" brushRef="#br0" timeOffset="23714.62">21960 7532 0</inkml:trace>
   <inkml:trace contextRef="#ctx0" brushRef="#br0" timeOffset="23989.92">21907 7832 0</inkml:trace>
   <inkml:trace contextRef="#ctx0" brushRef="#br0" timeOffset="24201.87">21855 8290 0,'0'0'0</inkml:trace>
   <inkml:trace contextRef="#ctx0" brushRef="#br0" timeOffset="25836.23">22648 5062 0,'-17'0'0,"17"-17"47,0-1-31,0-17 0,0 17-16,0-17 15,0 0-15,17-54 16,1 54-16,0-35 15,17-1 1,-35 18-16,35 0 16,-17 36-16,35-54 15,-53 53 1,35 18 109,18-17-109,0 17-1,35 0 1,-17-18-1,34 0 1,-69 1 0</inkml:trace>
@@ -1034,7 +1034,7 @@
     </inkml:brush>
   </inkml:definitions>
   <inkml:trace contextRef="#ctx0" brushRef="#br0">20249 11042 0,'18'0'78,"35"0"-63,-35 0 1,158-18 0,-105 18-1,-36-17 1,-18 17 15,1 0-15,0 0-16,17 0 15,0 0 1,-17 0 0,0 0-1,-1 0 1,1 0 15,0 0-31,-1 0 16,1 0 15,-1 0-31,19 0 16,-19 0-1,36 0 1,-17 0 0,-19 0-1,18 0-15,1 0 16,-19 0-1,19 0 1,-19 0 15,19 0-15,-19 0 0,1 0-1,-1 0 1,1 0-1,0 0 1,-1 0 0,1 0 62</inkml:trace>
-  <inkml:trace contextRef="#ctx0" brushRef="#br0" timeOffset="1288.66">25347 10936 0</inkml:trace>
+  <inkml:trace contextRef="#ctx0" brushRef="#br0" timeOffset="1288.65">25347 10936 0</inkml:trace>
 </inkml:ink>
 </file>
 
@@ -1548,7 +1548,7 @@
           <a:p>
             <a:fld id="{1138CF7E-FB8D-49DF-8AD5-C1F38814ECE5}" type="datetimeFigureOut">
               <a:rPr lang="zh-TW" altLang="en-US" smtClean="0"/>
-              <a:t>2023/8/21</a:t>
+              <a:t>2024/6/19</a:t>
             </a:fld>
             <a:endParaRPr lang="zh-TW" altLang="en-US"/>
           </a:p>
@@ -1962,7 +1962,7 @@
           <a:p>
             <a:fld id="{CAB776BB-1E7A-44F3-842B-36AD70466628}" type="datetime1">
               <a:rPr lang="zh-TW" altLang="en-US" smtClean="0"/>
-              <a:t>2023/8/21</a:t>
+              <a:t>2024/6/19</a:t>
             </a:fld>
             <a:endParaRPr lang="zh-TW" altLang="en-US"/>
           </a:p>
@@ -2160,7 +2160,7 @@
           <a:p>
             <a:fld id="{C027C8AA-4F5D-4286-A83F-0A1C404DF1E6}" type="datetime1">
               <a:rPr lang="zh-TW" altLang="en-US" smtClean="0"/>
-              <a:t>2023/8/21</a:t>
+              <a:t>2024/6/19</a:t>
             </a:fld>
             <a:endParaRPr lang="zh-TW" altLang="en-US"/>
           </a:p>
@@ -2368,7 +2368,7 @@
           <a:p>
             <a:fld id="{3A1781EA-0BB9-4DE3-AFCC-545A4DDA7658}" type="datetime1">
               <a:rPr lang="zh-TW" altLang="en-US" smtClean="0"/>
-              <a:t>2023/8/21</a:t>
+              <a:t>2024/6/19</a:t>
             </a:fld>
             <a:endParaRPr lang="zh-TW" altLang="en-US"/>
           </a:p>
@@ -2566,7 +2566,7 @@
           <a:p>
             <a:fld id="{DFE9DF8C-7D4B-4A58-82B5-D2A821FE06ED}" type="datetime1">
               <a:rPr lang="zh-TW" altLang="en-US" smtClean="0"/>
-              <a:t>2023/8/21</a:t>
+              <a:t>2024/6/19</a:t>
             </a:fld>
             <a:endParaRPr lang="zh-TW" altLang="en-US"/>
           </a:p>
@@ -2841,7 +2841,7 @@
           <a:p>
             <a:fld id="{E2E09F30-1DA0-4EDB-93CB-C4417A07CA9A}" type="datetime1">
               <a:rPr lang="zh-TW" altLang="en-US" smtClean="0"/>
-              <a:t>2023/8/21</a:t>
+              <a:t>2024/6/19</a:t>
             </a:fld>
             <a:endParaRPr lang="zh-TW" altLang="en-US"/>
           </a:p>
@@ -3106,7 +3106,7 @@
           <a:p>
             <a:fld id="{36B79F91-B069-49AC-B7DC-EFB695ED02E6}" type="datetime1">
               <a:rPr lang="zh-TW" altLang="en-US" smtClean="0"/>
-              <a:t>2023/8/21</a:t>
+              <a:t>2024/6/19</a:t>
             </a:fld>
             <a:endParaRPr lang="zh-TW" altLang="en-US"/>
           </a:p>
@@ -3518,7 +3518,7 @@
           <a:p>
             <a:fld id="{9C2ADA75-121F-4BE2-AD83-5EED5DC2ABAF}" type="datetime1">
               <a:rPr lang="zh-TW" altLang="en-US" smtClean="0"/>
-              <a:t>2023/8/21</a:t>
+              <a:t>2024/6/19</a:t>
             </a:fld>
             <a:endParaRPr lang="zh-TW" altLang="en-US"/>
           </a:p>
@@ -3659,7 +3659,7 @@
           <a:p>
             <a:fld id="{27508404-5CEB-4CED-BB96-D0032DBC3BD9}" type="datetime1">
               <a:rPr lang="zh-TW" altLang="en-US" smtClean="0"/>
-              <a:t>2023/8/21</a:t>
+              <a:t>2024/6/19</a:t>
             </a:fld>
             <a:endParaRPr lang="zh-TW" altLang="en-US"/>
           </a:p>
@@ -3772,7 +3772,7 @@
           <a:p>
             <a:fld id="{EB44264F-EFDD-4761-B2EE-59E69EB69424}" type="datetime1">
               <a:rPr lang="zh-TW" altLang="en-US" smtClean="0"/>
-              <a:t>2023/8/21</a:t>
+              <a:t>2024/6/19</a:t>
             </a:fld>
             <a:endParaRPr lang="zh-TW" altLang="en-US"/>
           </a:p>
@@ -4083,7 +4083,7 @@
           <a:p>
             <a:fld id="{D97AAC02-BB78-411B-BA5E-87B82477D23B}" type="datetime1">
               <a:rPr lang="zh-TW" altLang="en-US" smtClean="0"/>
-              <a:t>2023/8/21</a:t>
+              <a:t>2024/6/19</a:t>
             </a:fld>
             <a:endParaRPr lang="zh-TW" altLang="en-US"/>
           </a:p>
@@ -4371,7 +4371,7 @@
           <a:p>
             <a:fld id="{3DBDD2CB-DF91-45A0-856F-F3C88DD50D8B}" type="datetime1">
               <a:rPr lang="zh-TW" altLang="en-US" smtClean="0"/>
-              <a:t>2023/8/21</a:t>
+              <a:t>2024/6/19</a:t>
             </a:fld>
             <a:endParaRPr lang="zh-TW" altLang="en-US"/>
           </a:p>
@@ -4612,7 +4612,7 @@
           <a:p>
             <a:fld id="{D1568F65-9BF7-46D2-BBA1-71FA31472E09}" type="datetime1">
               <a:rPr lang="zh-TW" altLang="en-US" smtClean="0"/>
-              <a:t>2023/8/21</a:t>
+              <a:t>2024/6/19</a:t>
             </a:fld>
             <a:endParaRPr lang="zh-TW" altLang="en-US"/>
           </a:p>
@@ -5291,8 +5291,8 @@
           </a:prstGeom>
         </p:spPr>
       </p:pic>
-      <mc:AlternateContent xmlns:mc="http://schemas.openxmlformats.org/markup-compatibility/2006">
-        <mc:Choice xmlns:p14="http://schemas.microsoft.com/office/powerpoint/2010/main" Requires="p14">
+      <mc:AlternateContent xmlns:mc="http://schemas.openxmlformats.org/markup-compatibility/2006" xmlns:p14="http://schemas.microsoft.com/office/powerpoint/2010/main">
+        <mc:Choice Requires="p14">
           <p:contentPart p14:bwMode="auto" r:id="rId5">
             <p14:nvContentPartPr>
               <p14:cNvPr id="4" name="筆跡 3">
@@ -5311,7 +5311,7 @@
             </p14:xfrm>
           </p:contentPart>
         </mc:Choice>
-        <mc:Fallback>
+        <mc:Fallback xmlns="">
           <p:pic>
             <p:nvPicPr>
               <p:cNvPr id="4" name="筆跡 3">
@@ -5342,8 +5342,8 @@
           </p:pic>
         </mc:Fallback>
       </mc:AlternateContent>
-      <mc:AlternateContent xmlns:mc="http://schemas.openxmlformats.org/markup-compatibility/2006">
-        <mc:Choice xmlns:p14="http://schemas.microsoft.com/office/powerpoint/2010/main" Requires="p14">
+      <mc:AlternateContent xmlns:mc="http://schemas.openxmlformats.org/markup-compatibility/2006" xmlns:p14="http://schemas.microsoft.com/office/powerpoint/2010/main">
+        <mc:Choice Requires="p14">
           <p:contentPart p14:bwMode="auto" r:id="rId7">
             <p14:nvContentPartPr>
               <p14:cNvPr id="5" name="筆跡 4">
@@ -5362,7 +5362,7 @@
             </p14:xfrm>
           </p:contentPart>
         </mc:Choice>
-        <mc:Fallback>
+        <mc:Fallback xmlns="">
           <p:pic>
             <p:nvPicPr>
               <p:cNvPr id="5" name="筆跡 4">
@@ -6000,8 +6000,8 @@
           </a:prstGeom>
         </p:spPr>
       </p:pic>
-      <mc:AlternateContent xmlns:mc="http://schemas.openxmlformats.org/markup-compatibility/2006">
-        <mc:Choice xmlns:p14="http://schemas.microsoft.com/office/powerpoint/2010/main" Requires="p14">
+      <mc:AlternateContent xmlns:mc="http://schemas.openxmlformats.org/markup-compatibility/2006" xmlns:p14="http://schemas.microsoft.com/office/powerpoint/2010/main">
+        <mc:Choice Requires="p14">
           <p:contentPart p14:bwMode="auto" r:id="rId6">
             <p14:nvContentPartPr>
               <p14:cNvPr id="3" name="筆跡 2">
@@ -6020,7 +6020,7 @@
             </p14:xfrm>
           </p:contentPart>
         </mc:Choice>
-        <mc:Fallback>
+        <mc:Fallback xmlns="">
           <p:pic>
             <p:nvPicPr>
               <p:cNvPr id="3" name="筆跡 2">
@@ -6231,8 +6231,8 @@
           </a:prstGeom>
         </p:spPr>
       </p:pic>
-      <mc:AlternateContent xmlns:mc="http://schemas.openxmlformats.org/markup-compatibility/2006">
-        <mc:Choice xmlns:p14="http://schemas.microsoft.com/office/powerpoint/2010/main" Requires="p14">
+      <mc:AlternateContent xmlns:mc="http://schemas.openxmlformats.org/markup-compatibility/2006" xmlns:p14="http://schemas.microsoft.com/office/powerpoint/2010/main">
+        <mc:Choice Requires="p14">
           <p:contentPart p14:bwMode="auto" r:id="rId5">
             <p14:nvContentPartPr>
               <p14:cNvPr id="3" name="筆跡 2">
@@ -6251,7 +6251,7 @@
             </p14:xfrm>
           </p:contentPart>
         </mc:Choice>
-        <mc:Fallback>
+        <mc:Fallback xmlns="">
           <p:pic>
             <p:nvPicPr>
               <p:cNvPr id="3" name="筆跡 2">
@@ -6282,8 +6282,8 @@
           </p:pic>
         </mc:Fallback>
       </mc:AlternateContent>
-      <mc:AlternateContent xmlns:mc="http://schemas.openxmlformats.org/markup-compatibility/2006">
-        <mc:Choice xmlns:p14="http://schemas.microsoft.com/office/powerpoint/2010/main" Requires="p14">
+      <mc:AlternateContent xmlns:mc="http://schemas.openxmlformats.org/markup-compatibility/2006" xmlns:p14="http://schemas.microsoft.com/office/powerpoint/2010/main">
+        <mc:Choice Requires="p14">
           <p:contentPart p14:bwMode="auto" r:id="rId7">
             <p14:nvContentPartPr>
               <p14:cNvPr id="4" name="筆跡 3">
@@ -6302,7 +6302,7 @@
             </p14:xfrm>
           </p:contentPart>
         </mc:Choice>
-        <mc:Fallback>
+        <mc:Fallback xmlns="">
           <p:pic>
             <p:nvPicPr>
               <p:cNvPr id="4" name="筆跡 3">
@@ -6570,8 +6570,8 @@
           </a:prstGeom>
         </p:spPr>
       </p:pic>
-      <mc:AlternateContent xmlns:mc="http://schemas.openxmlformats.org/markup-compatibility/2006">
-        <mc:Choice xmlns:p14="http://schemas.microsoft.com/office/powerpoint/2010/main" Requires="p14">
+      <mc:AlternateContent xmlns:mc="http://schemas.openxmlformats.org/markup-compatibility/2006" xmlns:p14="http://schemas.microsoft.com/office/powerpoint/2010/main">
+        <mc:Choice Requires="p14">
           <p:contentPart p14:bwMode="auto" r:id="rId7">
             <p14:nvContentPartPr>
               <p14:cNvPr id="4" name="筆跡 3">
@@ -6590,7 +6590,7 @@
             </p14:xfrm>
           </p:contentPart>
         </mc:Choice>
-        <mc:Fallback>
+        <mc:Fallback xmlns="">
           <p:pic>
             <p:nvPicPr>
               <p:cNvPr id="4" name="筆跡 3">
@@ -6621,8 +6621,8 @@
           </p:pic>
         </mc:Fallback>
       </mc:AlternateContent>
-      <mc:AlternateContent xmlns:mc="http://schemas.openxmlformats.org/markup-compatibility/2006">
-        <mc:Choice xmlns:p14="http://schemas.microsoft.com/office/powerpoint/2010/main" Requires="p14">
+      <mc:AlternateContent xmlns:mc="http://schemas.openxmlformats.org/markup-compatibility/2006" xmlns:p14="http://schemas.microsoft.com/office/powerpoint/2010/main">
+        <mc:Choice Requires="p14">
           <p:contentPart p14:bwMode="auto" r:id="rId9">
             <p14:nvContentPartPr>
               <p14:cNvPr id="6" name="筆跡 5">
@@ -6641,7 +6641,7 @@
             </p14:xfrm>
           </p:contentPart>
         </mc:Choice>
-        <mc:Fallback>
+        <mc:Fallback xmlns="">
           <p:pic>
             <p:nvPicPr>
               <p:cNvPr id="6" name="筆跡 5">
@@ -7050,8 +7050,8 @@
           </a:prstGeom>
         </p:spPr>
       </p:pic>
-      <mc:AlternateContent xmlns:mc="http://schemas.openxmlformats.org/markup-compatibility/2006">
-        <mc:Choice xmlns:p14="http://schemas.microsoft.com/office/powerpoint/2010/main" Requires="p14">
+      <mc:AlternateContent xmlns:mc="http://schemas.openxmlformats.org/markup-compatibility/2006" xmlns:p14="http://schemas.microsoft.com/office/powerpoint/2010/main">
+        <mc:Choice Requires="p14">
           <p:contentPart p14:bwMode="auto" r:id="rId3">
             <p14:nvContentPartPr>
               <p14:cNvPr id="4" name="筆跡 3">
@@ -7070,7 +7070,7 @@
             </p14:xfrm>
           </p:contentPart>
         </mc:Choice>
-        <mc:Fallback>
+        <mc:Fallback xmlns="">
           <p:pic>
             <p:nvPicPr>
               <p:cNvPr id="4" name="筆跡 3">
@@ -7219,8 +7219,8 @@
           </a:prstGeom>
         </p:spPr>
       </p:pic>
-      <mc:AlternateContent xmlns:mc="http://schemas.openxmlformats.org/markup-compatibility/2006">
-        <mc:Choice xmlns:p14="http://schemas.microsoft.com/office/powerpoint/2010/main" Requires="p14">
+      <mc:AlternateContent xmlns:mc="http://schemas.openxmlformats.org/markup-compatibility/2006" xmlns:p14="http://schemas.microsoft.com/office/powerpoint/2010/main">
+        <mc:Choice Requires="p14">
           <p:contentPart p14:bwMode="auto" r:id="rId4">
             <p14:nvContentPartPr>
               <p14:cNvPr id="2" name="筆跡 1">
@@ -7239,7 +7239,7 @@
             </p14:xfrm>
           </p:contentPart>
         </mc:Choice>
-        <mc:Fallback>
+        <mc:Fallback xmlns="">
           <p:pic>
             <p:nvPicPr>
               <p:cNvPr id="2" name="筆跡 1">
@@ -8303,8 +8303,8 @@
           </a:p>
         </p:txBody>
       </p:sp>
-      <mc:AlternateContent xmlns:mc="http://schemas.openxmlformats.org/markup-compatibility/2006">
-        <mc:Choice xmlns:p14="http://schemas.microsoft.com/office/powerpoint/2010/main" Requires="p14">
+      <mc:AlternateContent xmlns:mc="http://schemas.openxmlformats.org/markup-compatibility/2006" xmlns:p14="http://schemas.microsoft.com/office/powerpoint/2010/main">
+        <mc:Choice Requires="p14">
           <p:contentPart p14:bwMode="auto" r:id="rId2">
             <p14:nvContentPartPr>
               <p14:cNvPr id="8" name="筆跡 7">
@@ -8323,7 +8323,7 @@
             </p14:xfrm>
           </p:contentPart>
         </mc:Choice>
-        <mc:Fallback>
+        <mc:Fallback xmlns="">
           <p:pic>
             <p:nvPicPr>
               <p:cNvPr id="8" name="筆跡 7">
@@ -8354,8 +8354,8 @@
           </p:pic>
         </mc:Fallback>
       </mc:AlternateContent>
-      <mc:AlternateContent xmlns:mc="http://schemas.openxmlformats.org/markup-compatibility/2006">
-        <mc:Choice xmlns:p14="http://schemas.microsoft.com/office/powerpoint/2010/main" Requires="p14">
+      <mc:AlternateContent xmlns:mc="http://schemas.openxmlformats.org/markup-compatibility/2006" xmlns:p14="http://schemas.microsoft.com/office/powerpoint/2010/main">
+        <mc:Choice Requires="p14">
           <p:contentPart p14:bwMode="auto" r:id="rId4">
             <p14:nvContentPartPr>
               <p14:cNvPr id="11" name="筆跡 10">
@@ -8374,7 +8374,7 @@
             </p14:xfrm>
           </p:contentPart>
         </mc:Choice>
-        <mc:Fallback>
+        <mc:Fallback xmlns="">
           <p:pic>
             <p:nvPicPr>
               <p:cNvPr id="11" name="筆跡 10">
@@ -9921,8 +9921,8 @@
           </a:p>
         </p:txBody>
       </p:sp>
-      <mc:AlternateContent xmlns:mc="http://schemas.openxmlformats.org/markup-compatibility/2006">
-        <mc:Choice xmlns:p14="http://schemas.microsoft.com/office/powerpoint/2010/main" Requires="p14">
+      <mc:AlternateContent xmlns:mc="http://schemas.openxmlformats.org/markup-compatibility/2006" xmlns:p14="http://schemas.microsoft.com/office/powerpoint/2010/main">
+        <mc:Choice Requires="p14">
           <p:contentPart p14:bwMode="auto" r:id="rId2">
             <p14:nvContentPartPr>
               <p14:cNvPr id="10" name="筆跡 9">
@@ -9941,7 +9941,7 @@
             </p14:xfrm>
           </p:contentPart>
         </mc:Choice>
-        <mc:Fallback>
+        <mc:Fallback xmlns="">
           <p:pic>
             <p:nvPicPr>
               <p:cNvPr id="10" name="筆跡 9">
@@ -10815,8 +10815,8 @@
           </a:prstGeom>
         </p:spPr>
       </p:pic>
-      <mc:AlternateContent xmlns:mc="http://schemas.openxmlformats.org/markup-compatibility/2006">
-        <mc:Choice xmlns:p14="http://schemas.microsoft.com/office/powerpoint/2010/main" Requires="p14">
+      <mc:AlternateContent xmlns:mc="http://schemas.openxmlformats.org/markup-compatibility/2006" xmlns:p14="http://schemas.microsoft.com/office/powerpoint/2010/main">
+        <mc:Choice Requires="p14">
           <p:contentPart p14:bwMode="auto" r:id="rId4">
             <p14:nvContentPartPr>
               <p14:cNvPr id="11" name="筆跡 10">
@@ -10835,7 +10835,7 @@
             </p14:xfrm>
           </p:contentPart>
         </mc:Choice>
-        <mc:Fallback>
+        <mc:Fallback xmlns="">
           <p:pic>
             <p:nvPicPr>
               <p:cNvPr id="11" name="筆跡 10">
@@ -11034,8 +11034,8 @@
           </a:prstGeom>
         </p:spPr>
       </p:pic>
-      <mc:AlternateContent xmlns:mc="http://schemas.openxmlformats.org/markup-compatibility/2006">
-        <mc:Choice xmlns:p14="http://schemas.microsoft.com/office/powerpoint/2010/main" Requires="p14">
+      <mc:AlternateContent xmlns:mc="http://schemas.openxmlformats.org/markup-compatibility/2006" xmlns:p14="http://schemas.microsoft.com/office/powerpoint/2010/main">
+        <mc:Choice Requires="p14">
           <p:contentPart p14:bwMode="auto" r:id="rId4">
             <p14:nvContentPartPr>
               <p14:cNvPr id="11" name="筆跡 10">
@@ -11054,7 +11054,7 @@
             </p14:xfrm>
           </p:contentPart>
         </mc:Choice>
-        <mc:Fallback>
+        <mc:Fallback xmlns="">
           <p:pic>
             <p:nvPicPr>
               <p:cNvPr id="11" name="筆跡 10">
@@ -13012,8 +13012,8 @@
           </a:p>
         </p:txBody>
       </p:sp>
-      <mc:AlternateContent xmlns:mc="http://schemas.openxmlformats.org/markup-compatibility/2006">
-        <mc:Choice xmlns:p14="http://schemas.microsoft.com/office/powerpoint/2010/main" Requires="p14">
+      <mc:AlternateContent xmlns:mc="http://schemas.openxmlformats.org/markup-compatibility/2006" xmlns:p14="http://schemas.microsoft.com/office/powerpoint/2010/main">
+        <mc:Choice Requires="p14">
           <p:contentPart p14:bwMode="auto" r:id="rId6">
             <p14:nvContentPartPr>
               <p14:cNvPr id="2" name="筆跡 1">
@@ -13032,7 +13032,7 @@
             </p14:xfrm>
           </p:contentPart>
         </mc:Choice>
-        <mc:Fallback>
+        <mc:Fallback xmlns="">
           <p:pic>
             <p:nvPicPr>
               <p:cNvPr id="2" name="筆跡 1">
@@ -14415,8 +14415,8 @@
           </a:p>
         </p:txBody>
       </p:sp>
-      <mc:AlternateContent xmlns:mc="http://schemas.openxmlformats.org/markup-compatibility/2006">
-        <mc:Choice xmlns:p14="http://schemas.microsoft.com/office/powerpoint/2010/main" Requires="p14">
+      <mc:AlternateContent xmlns:mc="http://schemas.openxmlformats.org/markup-compatibility/2006" xmlns:p14="http://schemas.microsoft.com/office/powerpoint/2010/main">
+        <mc:Choice Requires="p14">
           <p:contentPart p14:bwMode="auto" r:id="rId2">
             <p14:nvContentPartPr>
               <p14:cNvPr id="4" name="筆跡 3">
@@ -14435,7 +14435,7 @@
             </p14:xfrm>
           </p:contentPart>
         </mc:Choice>
-        <mc:Fallback>
+        <mc:Fallback xmlns="">
           <p:pic>
             <p:nvPicPr>
               <p:cNvPr id="4" name="筆跡 3">
@@ -14950,8 +14950,8 @@
           </a:prstGeom>
         </p:spPr>
       </p:pic>
-      <mc:AlternateContent xmlns:mc="http://schemas.openxmlformats.org/markup-compatibility/2006">
-        <mc:Choice xmlns:p14="http://schemas.microsoft.com/office/powerpoint/2010/main" Requires="p14">
+      <mc:AlternateContent xmlns:mc="http://schemas.openxmlformats.org/markup-compatibility/2006" xmlns:p14="http://schemas.microsoft.com/office/powerpoint/2010/main">
+        <mc:Choice Requires="p14">
           <p:contentPart p14:bwMode="auto" r:id="rId5">
             <p14:nvContentPartPr>
               <p14:cNvPr id="6" name="筆跡 5">
@@ -14970,7 +14970,7 @@
             </p14:xfrm>
           </p:contentPart>
         </mc:Choice>
-        <mc:Fallback>
+        <mc:Fallback xmlns="">
           <p:pic>
             <p:nvPicPr>
               <p:cNvPr id="6" name="筆跡 5">
@@ -15201,8 +15201,8 @@
           </a:prstGeom>
         </p:spPr>
       </p:pic>
-      <mc:AlternateContent xmlns:mc="http://schemas.openxmlformats.org/markup-compatibility/2006">
-        <mc:Choice xmlns:p14="http://schemas.microsoft.com/office/powerpoint/2010/main" Requires="p14">
+      <mc:AlternateContent xmlns:mc="http://schemas.openxmlformats.org/markup-compatibility/2006" xmlns:p14="http://schemas.microsoft.com/office/powerpoint/2010/main">
+        <mc:Choice Requires="p14">
           <p:contentPart p14:bwMode="auto" r:id="rId4">
             <p14:nvContentPartPr>
               <p14:cNvPr id="4" name="筆跡 3">
@@ -15221,7 +15221,7 @@
             </p14:xfrm>
           </p:contentPart>
         </mc:Choice>
-        <mc:Fallback>
+        <mc:Fallback xmlns="">
           <p:pic>
             <p:nvPicPr>
               <p:cNvPr id="4" name="筆跡 3">
@@ -15409,23 +15409,7 @@
             </a:pPr>
             <a:r>
               <a:rPr lang="en-US" altLang="zh-TW" dirty="0"/>
-              <a:t>The points around each turning point are checked to determine whether the variations </a:t>
-            </a:r>
-            <a:r>
-              <a:rPr lang="en-US" altLang="zh-TW" dirty="0" err="1"/>
-              <a:t>ofthe</a:t>
-            </a:r>
-            <a:r>
-              <a:rPr lang="en-US" altLang="zh-TW" dirty="0"/>
-              <a:t> points are within the hold-</a:t>
-            </a:r>
-            <a:r>
-              <a:rPr lang="en-US" altLang="zh-TW" dirty="0" err="1"/>
-              <a:t>verticalthreshold</a:t>
-            </a:r>
-            <a:r>
-              <a:rPr lang="en-US" altLang="zh-TW" dirty="0"/>
-              <a:t> (hv-t)</a:t>
+              <a:t>The points around each turning point are checked to determine whether the variations of the points are within the hold-vertical threshold (hv-t)</a:t>
             </a:r>
             <a:r>
               <a:rPr lang="zh-TW" altLang="en-US" dirty="0"/>
@@ -15441,15 +15425,7 @@
             </a:r>
             <a:r>
               <a:rPr lang="en-US" altLang="zh-TW" dirty="0"/>
-              <a:t>-t). When they are within the </a:t>
-            </a:r>
-            <a:r>
-              <a:rPr lang="en-US" altLang="zh-TW" dirty="0" err="1"/>
-              <a:t>threshold,these</a:t>
-            </a:r>
-            <a:r>
-              <a:rPr lang="en-US" altLang="zh-TW" dirty="0"/>
-              <a:t> points will have the same buy/sell trading in this period;</a:t>
+              <a:t>-t). When they are within the threshold, these points will have the same buy/sell trading in this period;</a:t>
             </a:r>
           </a:p>
           <a:p>
@@ -15550,8 +15526,8 @@
           </a:prstGeom>
         </p:spPr>
       </p:pic>
-      <mc:AlternateContent xmlns:mc="http://schemas.openxmlformats.org/markup-compatibility/2006">
-        <mc:Choice xmlns:p14="http://schemas.microsoft.com/office/powerpoint/2010/main" Requires="p14">
+      <mc:AlternateContent xmlns:mc="http://schemas.openxmlformats.org/markup-compatibility/2006" xmlns:p14="http://schemas.microsoft.com/office/powerpoint/2010/main">
+        <mc:Choice Requires="p14">
           <p:contentPart p14:bwMode="auto" r:id="rId4">
             <p14:nvContentPartPr>
               <p14:cNvPr id="4" name="筆跡 3">
@@ -15570,7 +15546,7 @@
             </p14:xfrm>
           </p:contentPart>
         </mc:Choice>
-        <mc:Fallback>
+        <mc:Fallback xmlns="">
           <p:pic>
             <p:nvPicPr>
               <p:cNvPr id="4" name="筆跡 3">
